--- a/sql/회원게시판.pptx
+++ b/sql/회원게시판.pptx
@@ -6,6 +6,7 @@
   </p:sldMasterIdLst>
   <p:sldIdLst>
     <p:sldId id="256" r:id="rId2"/>
+    <p:sldId id="257" r:id="rId3"/>
   </p:sldIdLst>
   <p:sldSz cx="12192000" cy="6858000"/>
   <p:notesSz cx="6858000" cy="9144000"/>
@@ -4124,8 +4125,8 @@
         </p:nvSpPr>
         <p:spPr>
           <a:xfrm>
-            <a:off x="796303" y="3880065"/>
-            <a:ext cx="9366667" cy="646331"/>
+            <a:off x="796303" y="4204458"/>
+            <a:ext cx="7327647" cy="523220"/>
           </a:xfrm>
           <a:prstGeom prst="rect">
             <a:avLst/>
@@ -4139,54 +4140,54 @@
           <a:lstStyle/>
           <a:p>
             <a:r>
-              <a:rPr lang="ko-KR" altLang="en-US" sz="3600" dirty="0" smtClean="0"/>
+              <a:rPr lang="ko-KR" altLang="en-US" sz="2800" dirty="0" smtClean="0"/>
               <a:t>회원</a:t>
             </a:r>
             <a:r>
-              <a:rPr lang="en-US" altLang="ko-KR" sz="3600" dirty="0" smtClean="0"/>
+              <a:rPr lang="en-US" altLang="ko-KR" sz="2800" dirty="0" smtClean="0"/>
               <a:t>(</a:t>
             </a:r>
             <a:r>
-              <a:rPr lang="ko-KR" altLang="en-US" sz="3600" u="sng" dirty="0" err="1" smtClean="0"/>
+              <a:rPr lang="ko-KR" altLang="en-US" sz="2800" u="sng" dirty="0" err="1" smtClean="0"/>
               <a:t>회원번호</a:t>
             </a:r>
             <a:r>
-              <a:rPr lang="en-US" altLang="ko-KR" sz="3600" dirty="0" smtClean="0"/>
+              <a:rPr lang="en-US" altLang="ko-KR" sz="2800" dirty="0" smtClean="0"/>
               <a:t>, </a:t>
             </a:r>
             <a:r>
-              <a:rPr lang="ko-KR" altLang="en-US" sz="3600" dirty="0" smtClean="0"/>
+              <a:rPr lang="ko-KR" altLang="en-US" sz="2800" dirty="0" smtClean="0"/>
               <a:t>이름</a:t>
             </a:r>
             <a:r>
-              <a:rPr lang="en-US" altLang="ko-KR" sz="3600" dirty="0" smtClean="0"/>
+              <a:rPr lang="en-US" altLang="ko-KR" sz="2800" dirty="0" smtClean="0"/>
               <a:t>, </a:t>
             </a:r>
             <a:r>
-              <a:rPr lang="ko-KR" altLang="en-US" sz="3600" dirty="0" smtClean="0"/>
+              <a:rPr lang="ko-KR" altLang="en-US" sz="2800" dirty="0" smtClean="0"/>
               <a:t>닉네임</a:t>
             </a:r>
             <a:r>
-              <a:rPr lang="en-US" altLang="ko-KR" sz="3600" dirty="0" smtClean="0"/>
+              <a:rPr lang="en-US" altLang="ko-KR" sz="2800" dirty="0" smtClean="0"/>
               <a:t>, </a:t>
             </a:r>
             <a:r>
-              <a:rPr lang="ko-KR" altLang="en-US" sz="3600" dirty="0" smtClean="0"/>
+              <a:rPr lang="ko-KR" altLang="en-US" sz="2800" dirty="0" smtClean="0"/>
               <a:t>이메일</a:t>
             </a:r>
             <a:r>
-              <a:rPr lang="en-US" altLang="ko-KR" sz="3600" dirty="0" smtClean="0"/>
+              <a:rPr lang="en-US" altLang="ko-KR" sz="2800" dirty="0" smtClean="0"/>
               <a:t>, </a:t>
             </a:r>
             <a:r>
-              <a:rPr lang="ko-KR" altLang="en-US" sz="3600" dirty="0" smtClean="0"/>
+              <a:rPr lang="ko-KR" altLang="en-US" sz="2800" dirty="0" smtClean="0"/>
               <a:t>가입일</a:t>
             </a:r>
             <a:r>
-              <a:rPr lang="en-US" altLang="ko-KR" sz="3600" dirty="0" smtClean="0"/>
+              <a:rPr lang="en-US" altLang="ko-KR" sz="2800" dirty="0" smtClean="0"/>
               <a:t>)</a:t>
             </a:r>
-            <a:endParaRPr lang="ko-KR" altLang="en-US" sz="3600" dirty="0"/>
+            <a:endParaRPr lang="ko-KR" altLang="en-US" sz="2800" dirty="0"/>
           </a:p>
         </p:txBody>
       </p:sp>
@@ -4198,8 +4199,8 @@
         </p:nvSpPr>
         <p:spPr>
           <a:xfrm>
-            <a:off x="796303" y="4761529"/>
-            <a:ext cx="11075468" cy="646331"/>
+            <a:off x="796303" y="4882603"/>
+            <a:ext cx="8654933" cy="523220"/>
           </a:xfrm>
           <a:prstGeom prst="rect">
             <a:avLst/>
@@ -4213,54 +4214,54 @@
           <a:lstStyle/>
           <a:p>
             <a:r>
-              <a:rPr lang="ko-KR" altLang="en-US" sz="3600" dirty="0" smtClean="0"/>
+              <a:rPr lang="ko-KR" altLang="en-US" sz="2800" dirty="0" smtClean="0"/>
               <a:t>게시판</a:t>
             </a:r>
             <a:r>
-              <a:rPr lang="en-US" altLang="ko-KR" sz="3600" dirty="0" smtClean="0"/>
+              <a:rPr lang="en-US" altLang="ko-KR" sz="2800" dirty="0" smtClean="0"/>
               <a:t>(</a:t>
             </a:r>
             <a:r>
-              <a:rPr lang="ko-KR" altLang="en-US" sz="3600" dirty="0" err="1" smtClean="0"/>
+              <a:rPr lang="ko-KR" altLang="en-US" sz="2800" dirty="0" err="1" smtClean="0"/>
               <a:t>게시물번호</a:t>
             </a:r>
             <a:r>
-              <a:rPr lang="en-US" altLang="ko-KR" sz="3600" dirty="0" smtClean="0"/>
+              <a:rPr lang="en-US" altLang="ko-KR" sz="2800" dirty="0" smtClean="0"/>
               <a:t>, </a:t>
             </a:r>
             <a:r>
-              <a:rPr lang="ko-KR" altLang="en-US" sz="3600" dirty="0" smtClean="0"/>
+              <a:rPr lang="ko-KR" altLang="en-US" sz="2800" dirty="0" smtClean="0"/>
               <a:t>제목</a:t>
             </a:r>
             <a:r>
-              <a:rPr lang="en-US" altLang="ko-KR" sz="3600" dirty="0" smtClean="0"/>
+              <a:rPr lang="en-US" altLang="ko-KR" sz="2800" dirty="0" smtClean="0"/>
               <a:t>, </a:t>
             </a:r>
             <a:r>
-              <a:rPr lang="ko-KR" altLang="en-US" sz="3600" dirty="0" smtClean="0"/>
+              <a:rPr lang="ko-KR" altLang="en-US" sz="2800" dirty="0" smtClean="0"/>
               <a:t>내용</a:t>
             </a:r>
             <a:r>
-              <a:rPr lang="en-US" altLang="ko-KR" sz="3600" dirty="0" smtClean="0"/>
+              <a:rPr lang="en-US" altLang="ko-KR" sz="2800" dirty="0" smtClean="0"/>
               <a:t>, </a:t>
             </a:r>
             <a:r>
-              <a:rPr lang="ko-KR" altLang="en-US" sz="3600" dirty="0" smtClean="0"/>
+              <a:rPr lang="ko-KR" altLang="en-US" sz="2800" dirty="0" smtClean="0"/>
               <a:t>작성일</a:t>
             </a:r>
             <a:r>
-              <a:rPr lang="en-US" altLang="ko-KR" sz="3600" dirty="0" smtClean="0"/>
+              <a:rPr lang="en-US" altLang="ko-KR" sz="2800" dirty="0" smtClean="0"/>
               <a:t>, FK(</a:t>
             </a:r>
             <a:r>
-              <a:rPr lang="ko-KR" altLang="en-US" sz="3600" u="sng" dirty="0" err="1" smtClean="0"/>
+              <a:rPr lang="ko-KR" altLang="en-US" sz="2800" u="sng" dirty="0" err="1" smtClean="0"/>
               <a:t>회원번호</a:t>
             </a:r>
             <a:r>
-              <a:rPr lang="en-US" altLang="ko-KR" sz="3600" dirty="0" smtClean="0"/>
+              <a:rPr lang="en-US" altLang="ko-KR" sz="2800" dirty="0" smtClean="0"/>
               <a:t>))</a:t>
             </a:r>
-            <a:endParaRPr lang="ko-KR" altLang="en-US" sz="3600" dirty="0"/>
+            <a:endParaRPr lang="ko-KR" altLang="en-US" sz="2800" dirty="0"/>
           </a:p>
         </p:txBody>
       </p:sp>
@@ -4268,6 +4269,2123 @@
     <p:extLst>
       <p:ext uri="{BB962C8B-B14F-4D97-AF65-F5344CB8AC3E}">
         <p14:creationId xmlns:p14="http://schemas.microsoft.com/office/powerpoint/2010/main" val="4270096026"/>
+      </p:ext>
+    </p:extLst>
+  </p:cSld>
+  <p:clrMapOvr>
+    <a:masterClrMapping/>
+  </p:clrMapOvr>
+</p:sld>
+</file>
+
+<file path=ppt/slides/slide2.xml><?xml version="1.0" encoding="utf-8"?>
+<p:sld xmlns:a="http://schemas.openxmlformats.org/drawingml/2006/main" xmlns:r="http://schemas.openxmlformats.org/officeDocument/2006/relationships" xmlns:p="http://schemas.openxmlformats.org/presentationml/2006/main">
+  <p:cSld>
+    <p:spTree>
+      <p:nvGrpSpPr>
+        <p:cNvPr id="1" name=""/>
+        <p:cNvGrpSpPr/>
+        <p:nvPr/>
+      </p:nvGrpSpPr>
+      <p:grpSpPr>
+        <a:xfrm>
+          <a:off x="0" y="0"/>
+          <a:ext cx="0" cy="0"/>
+          <a:chOff x="0" y="0"/>
+          <a:chExt cx="0" cy="0"/>
+        </a:xfrm>
+      </p:grpSpPr>
+      <p:sp>
+        <p:nvSpPr>
+          <p:cNvPr id="4" name="TextBox 3"/>
+          <p:cNvSpPr txBox="1"/>
+          <p:nvPr/>
+        </p:nvSpPr>
+        <p:spPr>
+          <a:xfrm>
+            <a:off x="571500" y="628650"/>
+            <a:ext cx="1651414" cy="369332"/>
+          </a:xfrm>
+          <a:prstGeom prst="rect">
+            <a:avLst/>
+          </a:prstGeom>
+          <a:noFill/>
+        </p:spPr>
+        <p:txBody>
+          <a:bodyPr wrap="none" rtlCol="0">
+            <a:spAutoFit/>
+          </a:bodyPr>
+          <a:lstStyle/>
+          <a:p>
+            <a:r>
+              <a:rPr lang="ko-KR" altLang="en-US" dirty="0" smtClean="0"/>
+              <a:t>회원제 게시판</a:t>
+            </a:r>
+            <a:endParaRPr lang="ko-KR" altLang="en-US" dirty="0"/>
+          </a:p>
+        </p:txBody>
+      </p:sp>
+      <p:sp>
+        <p:nvSpPr>
+          <p:cNvPr id="8" name="직사각형 7"/>
+          <p:cNvSpPr/>
+          <p:nvPr/>
+        </p:nvSpPr>
+        <p:spPr>
+          <a:xfrm>
+            <a:off x="8512490" y="4027591"/>
+            <a:ext cx="1971675" cy="800100"/>
+          </a:xfrm>
+          <a:prstGeom prst="rect">
+            <a:avLst/>
+          </a:prstGeom>
+        </p:spPr>
+        <p:style>
+          <a:lnRef idx="2">
+            <a:schemeClr val="dk1"/>
+          </a:lnRef>
+          <a:fillRef idx="1">
+            <a:schemeClr val="lt1"/>
+          </a:fillRef>
+          <a:effectRef idx="0">
+            <a:schemeClr val="dk1"/>
+          </a:effectRef>
+          <a:fontRef idx="minor">
+            <a:schemeClr val="dk1"/>
+          </a:fontRef>
+        </p:style>
+        <p:txBody>
+          <a:bodyPr rtlCol="0" anchor="ctr"/>
+          <a:lstStyle/>
+          <a:p>
+            <a:pPr algn="ctr"/>
+            <a:endParaRPr lang="ko-KR" altLang="en-US" dirty="0"/>
+          </a:p>
+        </p:txBody>
+      </p:sp>
+      <p:sp>
+        <p:nvSpPr>
+          <p:cNvPr id="9" name="직사각형 8"/>
+          <p:cNvSpPr/>
+          <p:nvPr/>
+        </p:nvSpPr>
+        <p:spPr>
+          <a:xfrm>
+            <a:off x="8664890" y="4179991"/>
+            <a:ext cx="1695451" cy="533399"/>
+          </a:xfrm>
+          <a:prstGeom prst="rect">
+            <a:avLst/>
+          </a:prstGeom>
+        </p:spPr>
+        <p:style>
+          <a:lnRef idx="2">
+            <a:schemeClr val="dk1"/>
+          </a:lnRef>
+          <a:fillRef idx="1">
+            <a:schemeClr val="lt1"/>
+          </a:fillRef>
+          <a:effectRef idx="0">
+            <a:schemeClr val="dk1"/>
+          </a:effectRef>
+          <a:fontRef idx="minor">
+            <a:schemeClr val="dk1"/>
+          </a:fontRef>
+        </p:style>
+        <p:txBody>
+          <a:bodyPr rtlCol="0" anchor="ctr"/>
+          <a:lstStyle/>
+          <a:p>
+            <a:pPr algn="ctr"/>
+            <a:r>
+              <a:rPr lang="ko-KR" altLang="en-US" dirty="0" smtClean="0"/>
+              <a:t>첨부파일</a:t>
+            </a:r>
+            <a:endParaRPr lang="ko-KR" altLang="en-US" dirty="0"/>
+          </a:p>
+        </p:txBody>
+      </p:sp>
+      <p:sp>
+        <p:nvSpPr>
+          <p:cNvPr id="10" name="직사각형 9"/>
+          <p:cNvSpPr/>
+          <p:nvPr/>
+        </p:nvSpPr>
+        <p:spPr>
+          <a:xfrm>
+            <a:off x="4664076" y="3652480"/>
+            <a:ext cx="1971675" cy="800100"/>
+          </a:xfrm>
+          <a:prstGeom prst="rect">
+            <a:avLst/>
+          </a:prstGeom>
+        </p:spPr>
+        <p:style>
+          <a:lnRef idx="2">
+            <a:schemeClr val="dk1"/>
+          </a:lnRef>
+          <a:fillRef idx="1">
+            <a:schemeClr val="lt1"/>
+          </a:fillRef>
+          <a:effectRef idx="0">
+            <a:schemeClr val="dk1"/>
+          </a:effectRef>
+          <a:fontRef idx="minor">
+            <a:schemeClr val="dk1"/>
+          </a:fontRef>
+        </p:style>
+        <p:txBody>
+          <a:bodyPr rtlCol="0" anchor="ctr"/>
+          <a:lstStyle/>
+          <a:p>
+            <a:pPr algn="ctr"/>
+            <a:endParaRPr lang="ko-KR" altLang="en-US" dirty="0"/>
+          </a:p>
+        </p:txBody>
+      </p:sp>
+      <p:sp>
+        <p:nvSpPr>
+          <p:cNvPr id="11" name="직사각형 10"/>
+          <p:cNvSpPr/>
+          <p:nvPr/>
+        </p:nvSpPr>
+        <p:spPr>
+          <a:xfrm>
+            <a:off x="4816476" y="3804880"/>
+            <a:ext cx="1695451" cy="533399"/>
+          </a:xfrm>
+          <a:prstGeom prst="rect">
+            <a:avLst/>
+          </a:prstGeom>
+        </p:spPr>
+        <p:style>
+          <a:lnRef idx="2">
+            <a:schemeClr val="dk1"/>
+          </a:lnRef>
+          <a:fillRef idx="1">
+            <a:schemeClr val="lt1"/>
+          </a:fillRef>
+          <a:effectRef idx="0">
+            <a:schemeClr val="dk1"/>
+          </a:effectRef>
+          <a:fontRef idx="minor">
+            <a:schemeClr val="dk1"/>
+          </a:fontRef>
+        </p:style>
+        <p:txBody>
+          <a:bodyPr rtlCol="0" anchor="ctr"/>
+          <a:lstStyle/>
+          <a:p>
+            <a:pPr algn="ctr"/>
+            <a:r>
+              <a:rPr lang="ko-KR" altLang="en-US" dirty="0" smtClean="0"/>
+              <a:t>댓글</a:t>
+            </a:r>
+            <a:endParaRPr lang="ko-KR" altLang="en-US" dirty="0"/>
+          </a:p>
+        </p:txBody>
+      </p:sp>
+      <p:sp>
+        <p:nvSpPr>
+          <p:cNvPr id="5" name="직사각형 4"/>
+          <p:cNvSpPr/>
+          <p:nvPr/>
+        </p:nvSpPr>
+        <p:spPr>
+          <a:xfrm>
+            <a:off x="2076843" y="1355650"/>
+            <a:ext cx="1625361" cy="659567"/>
+          </a:xfrm>
+          <a:prstGeom prst="rect">
+            <a:avLst/>
+          </a:prstGeom>
+        </p:spPr>
+        <p:style>
+          <a:lnRef idx="2">
+            <a:schemeClr val="dk1"/>
+          </a:lnRef>
+          <a:fillRef idx="1">
+            <a:schemeClr val="lt1"/>
+          </a:fillRef>
+          <a:effectRef idx="0">
+            <a:schemeClr val="dk1"/>
+          </a:effectRef>
+          <a:fontRef idx="minor">
+            <a:schemeClr val="dk1"/>
+          </a:fontRef>
+        </p:style>
+        <p:txBody>
+          <a:bodyPr rtlCol="0" anchor="ctr"/>
+          <a:lstStyle/>
+          <a:p>
+            <a:pPr algn="ctr"/>
+            <a:r>
+              <a:rPr lang="ko-KR" altLang="en-US" smtClean="0"/>
+              <a:t>회원</a:t>
+            </a:r>
+            <a:endParaRPr lang="ko-KR" altLang="en-US"/>
+          </a:p>
+        </p:txBody>
+      </p:sp>
+      <p:sp>
+        <p:nvSpPr>
+          <p:cNvPr id="12" name="타원 11"/>
+          <p:cNvSpPr/>
+          <p:nvPr/>
+        </p:nvSpPr>
+        <p:spPr>
+          <a:xfrm>
+            <a:off x="133891" y="1395296"/>
+            <a:ext cx="1260244" cy="530010"/>
+          </a:xfrm>
+          <a:prstGeom prst="ellipse">
+            <a:avLst/>
+          </a:prstGeom>
+        </p:spPr>
+        <p:style>
+          <a:lnRef idx="2">
+            <a:schemeClr val="dk1"/>
+          </a:lnRef>
+          <a:fillRef idx="1">
+            <a:schemeClr val="lt1"/>
+          </a:fillRef>
+          <a:effectRef idx="0">
+            <a:schemeClr val="dk1"/>
+          </a:effectRef>
+          <a:fontRef idx="minor">
+            <a:schemeClr val="dk1"/>
+          </a:fontRef>
+        </p:style>
+        <p:txBody>
+          <a:bodyPr rtlCol="0" anchor="ctr"/>
+          <a:lstStyle/>
+          <a:p>
+            <a:pPr algn="ctr"/>
+            <a:r>
+              <a:rPr lang="ko-KR" altLang="en-US" sz="1600" u="sng" dirty="0" err="1" smtClean="0"/>
+              <a:t>회원번호</a:t>
+            </a:r>
+            <a:endParaRPr lang="ko-KR" altLang="en-US" sz="1600" u="sng" dirty="0"/>
+          </a:p>
+        </p:txBody>
+      </p:sp>
+      <p:sp>
+        <p:nvSpPr>
+          <p:cNvPr id="13" name="타원 12"/>
+          <p:cNvSpPr/>
+          <p:nvPr/>
+        </p:nvSpPr>
+        <p:spPr>
+          <a:xfrm>
+            <a:off x="80293" y="2136872"/>
+            <a:ext cx="1260244" cy="530010"/>
+          </a:xfrm>
+          <a:prstGeom prst="ellipse">
+            <a:avLst/>
+          </a:prstGeom>
+        </p:spPr>
+        <p:style>
+          <a:lnRef idx="2">
+            <a:schemeClr val="dk1"/>
+          </a:lnRef>
+          <a:fillRef idx="1">
+            <a:schemeClr val="lt1"/>
+          </a:fillRef>
+          <a:effectRef idx="0">
+            <a:schemeClr val="dk1"/>
+          </a:effectRef>
+          <a:fontRef idx="minor">
+            <a:schemeClr val="dk1"/>
+          </a:fontRef>
+        </p:style>
+        <p:txBody>
+          <a:bodyPr rtlCol="0" anchor="ctr"/>
+          <a:lstStyle/>
+          <a:p>
+            <a:pPr algn="ctr"/>
+            <a:r>
+              <a:rPr lang="ko-KR" altLang="en-US" sz="1600" smtClean="0"/>
+              <a:t>이름</a:t>
+            </a:r>
+            <a:endParaRPr lang="ko-KR" altLang="en-US" sz="1600" dirty="0"/>
+          </a:p>
+        </p:txBody>
+      </p:sp>
+      <p:sp>
+        <p:nvSpPr>
+          <p:cNvPr id="14" name="타원 13"/>
+          <p:cNvSpPr/>
+          <p:nvPr/>
+        </p:nvSpPr>
+        <p:spPr>
+          <a:xfrm>
+            <a:off x="52488" y="2790512"/>
+            <a:ext cx="1260244" cy="530010"/>
+          </a:xfrm>
+          <a:prstGeom prst="ellipse">
+            <a:avLst/>
+          </a:prstGeom>
+        </p:spPr>
+        <p:style>
+          <a:lnRef idx="2">
+            <a:schemeClr val="dk1"/>
+          </a:lnRef>
+          <a:fillRef idx="1">
+            <a:schemeClr val="lt1"/>
+          </a:fillRef>
+          <a:effectRef idx="0">
+            <a:schemeClr val="dk1"/>
+          </a:effectRef>
+          <a:fontRef idx="minor">
+            <a:schemeClr val="dk1"/>
+          </a:fontRef>
+        </p:style>
+        <p:txBody>
+          <a:bodyPr rtlCol="0" anchor="ctr"/>
+          <a:lstStyle/>
+          <a:p>
+            <a:pPr algn="ctr"/>
+            <a:r>
+              <a:rPr lang="ko-KR" altLang="en-US" sz="1600" dirty="0" smtClean="0"/>
+              <a:t>닉네임</a:t>
+            </a:r>
+            <a:endParaRPr lang="ko-KR" altLang="en-US" sz="1600" dirty="0"/>
+          </a:p>
+        </p:txBody>
+      </p:sp>
+      <p:sp>
+        <p:nvSpPr>
+          <p:cNvPr id="15" name="타원 14"/>
+          <p:cNvSpPr/>
+          <p:nvPr/>
+        </p:nvSpPr>
+        <p:spPr>
+          <a:xfrm>
+            <a:off x="0" y="3512907"/>
+            <a:ext cx="1260244" cy="530010"/>
+          </a:xfrm>
+          <a:prstGeom prst="ellipse">
+            <a:avLst/>
+          </a:prstGeom>
+        </p:spPr>
+        <p:style>
+          <a:lnRef idx="2">
+            <a:schemeClr val="dk1"/>
+          </a:lnRef>
+          <a:fillRef idx="1">
+            <a:schemeClr val="lt1"/>
+          </a:fillRef>
+          <a:effectRef idx="0">
+            <a:schemeClr val="dk1"/>
+          </a:effectRef>
+          <a:fontRef idx="minor">
+            <a:schemeClr val="dk1"/>
+          </a:fontRef>
+        </p:style>
+        <p:txBody>
+          <a:bodyPr rtlCol="0" anchor="ctr"/>
+          <a:lstStyle/>
+          <a:p>
+            <a:pPr algn="ctr"/>
+            <a:r>
+              <a:rPr lang="ko-KR" altLang="en-US" sz="1600" dirty="0" smtClean="0"/>
+              <a:t>가입일</a:t>
+            </a:r>
+            <a:endParaRPr lang="ko-KR" altLang="en-US" sz="1600" dirty="0"/>
+          </a:p>
+        </p:txBody>
+      </p:sp>
+      <p:cxnSp>
+        <p:nvCxnSpPr>
+          <p:cNvPr id="17" name="직선 연결선 16"/>
+          <p:cNvCxnSpPr>
+            <a:stCxn id="5" idx="1"/>
+            <a:endCxn id="12" idx="6"/>
+          </p:cNvCxnSpPr>
+          <p:nvPr/>
+        </p:nvCxnSpPr>
+        <p:spPr>
+          <a:xfrm flipH="1" flipV="1">
+            <a:off x="1394135" y="1660301"/>
+            <a:ext cx="682708" cy="25133"/>
+          </a:xfrm>
+          <a:prstGeom prst="line">
+            <a:avLst/>
+          </a:prstGeom>
+          <a:ln w="9525">
+            <a:solidFill>
+              <a:schemeClr val="tx1"/>
+            </a:solidFill>
+          </a:ln>
+        </p:spPr>
+        <p:style>
+          <a:lnRef idx="1">
+            <a:schemeClr val="accent1"/>
+          </a:lnRef>
+          <a:fillRef idx="0">
+            <a:schemeClr val="accent1"/>
+          </a:fillRef>
+          <a:effectRef idx="0">
+            <a:schemeClr val="accent1"/>
+          </a:effectRef>
+          <a:fontRef idx="minor">
+            <a:schemeClr val="tx1"/>
+          </a:fontRef>
+        </p:style>
+      </p:cxnSp>
+      <p:cxnSp>
+        <p:nvCxnSpPr>
+          <p:cNvPr id="19" name="직선 연결선 18"/>
+          <p:cNvCxnSpPr>
+            <a:stCxn id="5" idx="1"/>
+            <a:endCxn id="13" idx="6"/>
+          </p:cNvCxnSpPr>
+          <p:nvPr/>
+        </p:nvCxnSpPr>
+        <p:spPr>
+          <a:xfrm flipH="1">
+            <a:off x="1340537" y="1685434"/>
+            <a:ext cx="736306" cy="716443"/>
+          </a:xfrm>
+          <a:prstGeom prst="line">
+            <a:avLst/>
+          </a:prstGeom>
+          <a:ln w="9525">
+            <a:solidFill>
+              <a:schemeClr val="tx1"/>
+            </a:solidFill>
+          </a:ln>
+        </p:spPr>
+        <p:style>
+          <a:lnRef idx="1">
+            <a:schemeClr val="accent1"/>
+          </a:lnRef>
+          <a:fillRef idx="0">
+            <a:schemeClr val="accent1"/>
+          </a:fillRef>
+          <a:effectRef idx="0">
+            <a:schemeClr val="accent1"/>
+          </a:effectRef>
+          <a:fontRef idx="minor">
+            <a:schemeClr val="tx1"/>
+          </a:fontRef>
+        </p:style>
+      </p:cxnSp>
+      <p:cxnSp>
+        <p:nvCxnSpPr>
+          <p:cNvPr id="21" name="직선 연결선 20"/>
+          <p:cNvCxnSpPr>
+            <a:stCxn id="5" idx="1"/>
+            <a:endCxn id="14" idx="6"/>
+          </p:cNvCxnSpPr>
+          <p:nvPr/>
+        </p:nvCxnSpPr>
+        <p:spPr>
+          <a:xfrm flipH="1">
+            <a:off x="1312732" y="1685434"/>
+            <a:ext cx="764111" cy="1370083"/>
+          </a:xfrm>
+          <a:prstGeom prst="line">
+            <a:avLst/>
+          </a:prstGeom>
+          <a:ln w="9525">
+            <a:solidFill>
+              <a:schemeClr val="tx1"/>
+            </a:solidFill>
+          </a:ln>
+        </p:spPr>
+        <p:style>
+          <a:lnRef idx="1">
+            <a:schemeClr val="accent1"/>
+          </a:lnRef>
+          <a:fillRef idx="0">
+            <a:schemeClr val="accent1"/>
+          </a:fillRef>
+          <a:effectRef idx="0">
+            <a:schemeClr val="accent1"/>
+          </a:effectRef>
+          <a:fontRef idx="minor">
+            <a:schemeClr val="tx1"/>
+          </a:fontRef>
+        </p:style>
+      </p:cxnSp>
+      <p:cxnSp>
+        <p:nvCxnSpPr>
+          <p:cNvPr id="23" name="직선 연결선 22"/>
+          <p:cNvCxnSpPr>
+            <a:stCxn id="5" idx="1"/>
+            <a:endCxn id="15" idx="6"/>
+          </p:cNvCxnSpPr>
+          <p:nvPr/>
+        </p:nvCxnSpPr>
+        <p:spPr>
+          <a:xfrm flipH="1">
+            <a:off x="1260244" y="1685434"/>
+            <a:ext cx="816599" cy="2092478"/>
+          </a:xfrm>
+          <a:prstGeom prst="line">
+            <a:avLst/>
+          </a:prstGeom>
+          <a:ln w="9525">
+            <a:solidFill>
+              <a:schemeClr val="tx1"/>
+            </a:solidFill>
+          </a:ln>
+        </p:spPr>
+        <p:style>
+          <a:lnRef idx="1">
+            <a:schemeClr val="accent1"/>
+          </a:lnRef>
+          <a:fillRef idx="0">
+            <a:schemeClr val="accent1"/>
+          </a:fillRef>
+          <a:effectRef idx="0">
+            <a:schemeClr val="accent1"/>
+          </a:effectRef>
+          <a:fontRef idx="minor">
+            <a:schemeClr val="tx1"/>
+          </a:fontRef>
+        </p:style>
+      </p:cxnSp>
+      <p:sp>
+        <p:nvSpPr>
+          <p:cNvPr id="6" name="직사각형 5"/>
+          <p:cNvSpPr/>
+          <p:nvPr/>
+        </p:nvSpPr>
+        <p:spPr>
+          <a:xfrm>
+            <a:off x="8882828" y="1446957"/>
+            <a:ext cx="1230999" cy="499536"/>
+          </a:xfrm>
+          <a:prstGeom prst="rect">
+            <a:avLst/>
+          </a:prstGeom>
+        </p:spPr>
+        <p:style>
+          <a:lnRef idx="2">
+            <a:schemeClr val="dk1"/>
+          </a:lnRef>
+          <a:fillRef idx="1">
+            <a:schemeClr val="lt1"/>
+          </a:fillRef>
+          <a:effectRef idx="0">
+            <a:schemeClr val="dk1"/>
+          </a:effectRef>
+          <a:fontRef idx="minor">
+            <a:schemeClr val="dk1"/>
+          </a:fontRef>
+        </p:style>
+        <p:txBody>
+          <a:bodyPr rtlCol="0" anchor="ctr"/>
+          <a:lstStyle/>
+          <a:p>
+            <a:pPr algn="ctr"/>
+            <a:r>
+              <a:rPr lang="ko-KR" altLang="en-US" dirty="0" smtClean="0"/>
+              <a:t>게시판</a:t>
+            </a:r>
+            <a:endParaRPr lang="ko-KR" altLang="en-US" dirty="0"/>
+          </a:p>
+        </p:txBody>
+      </p:sp>
+      <p:sp>
+        <p:nvSpPr>
+          <p:cNvPr id="26" name="타원 25"/>
+          <p:cNvSpPr/>
+          <p:nvPr/>
+        </p:nvSpPr>
+        <p:spPr>
+          <a:xfrm>
+            <a:off x="4020631" y="215994"/>
+            <a:ext cx="1177477" cy="446013"/>
+          </a:xfrm>
+          <a:prstGeom prst="ellipse">
+            <a:avLst/>
+          </a:prstGeom>
+        </p:spPr>
+        <p:style>
+          <a:lnRef idx="2">
+            <a:schemeClr val="dk1"/>
+          </a:lnRef>
+          <a:fillRef idx="1">
+            <a:schemeClr val="lt1"/>
+          </a:fillRef>
+          <a:effectRef idx="0">
+            <a:schemeClr val="dk1"/>
+          </a:effectRef>
+          <a:fontRef idx="minor">
+            <a:schemeClr val="dk1"/>
+          </a:fontRef>
+        </p:style>
+        <p:txBody>
+          <a:bodyPr rtlCol="0" anchor="ctr"/>
+          <a:lstStyle/>
+          <a:p>
+            <a:pPr algn="ctr"/>
+            <a:r>
+              <a:rPr lang="ko-KR" altLang="en-US" u="sng" dirty="0" err="1" smtClean="0"/>
+              <a:t>게시물번호</a:t>
+            </a:r>
+            <a:endParaRPr lang="ko-KR" altLang="en-US" u="sng" dirty="0"/>
+          </a:p>
+        </p:txBody>
+      </p:sp>
+      <p:sp>
+        <p:nvSpPr>
+          <p:cNvPr id="27" name="타원 26"/>
+          <p:cNvSpPr/>
+          <p:nvPr/>
+        </p:nvSpPr>
+        <p:spPr>
+          <a:xfrm>
+            <a:off x="5371552" y="172935"/>
+            <a:ext cx="1177477" cy="446013"/>
+          </a:xfrm>
+          <a:prstGeom prst="ellipse">
+            <a:avLst/>
+          </a:prstGeom>
+        </p:spPr>
+        <p:style>
+          <a:lnRef idx="2">
+            <a:schemeClr val="dk1"/>
+          </a:lnRef>
+          <a:fillRef idx="1">
+            <a:schemeClr val="lt1"/>
+          </a:fillRef>
+          <a:effectRef idx="0">
+            <a:schemeClr val="dk1"/>
+          </a:effectRef>
+          <a:fontRef idx="minor">
+            <a:schemeClr val="dk1"/>
+          </a:fontRef>
+        </p:style>
+        <p:txBody>
+          <a:bodyPr rtlCol="0" anchor="ctr"/>
+          <a:lstStyle/>
+          <a:p>
+            <a:pPr algn="ctr"/>
+            <a:r>
+              <a:rPr lang="ko-KR" altLang="en-US" dirty="0" smtClean="0"/>
+              <a:t>제목</a:t>
+            </a:r>
+            <a:endParaRPr lang="ko-KR" altLang="en-US" dirty="0"/>
+          </a:p>
+        </p:txBody>
+      </p:sp>
+      <p:sp>
+        <p:nvSpPr>
+          <p:cNvPr id="28" name="타원 27"/>
+          <p:cNvSpPr/>
+          <p:nvPr/>
+        </p:nvSpPr>
+        <p:spPr>
+          <a:xfrm>
+            <a:off x="6722473" y="173097"/>
+            <a:ext cx="1177477" cy="446013"/>
+          </a:xfrm>
+          <a:prstGeom prst="ellipse">
+            <a:avLst/>
+          </a:prstGeom>
+        </p:spPr>
+        <p:style>
+          <a:lnRef idx="2">
+            <a:schemeClr val="dk1"/>
+          </a:lnRef>
+          <a:fillRef idx="1">
+            <a:schemeClr val="lt1"/>
+          </a:fillRef>
+          <a:effectRef idx="0">
+            <a:schemeClr val="dk1"/>
+          </a:effectRef>
+          <a:fontRef idx="minor">
+            <a:schemeClr val="dk1"/>
+          </a:fontRef>
+        </p:style>
+        <p:txBody>
+          <a:bodyPr rtlCol="0" anchor="ctr"/>
+          <a:lstStyle/>
+          <a:p>
+            <a:pPr algn="ctr"/>
+            <a:r>
+              <a:rPr lang="ko-KR" altLang="en-US" smtClean="0"/>
+              <a:t>내용</a:t>
+            </a:r>
+            <a:endParaRPr lang="ko-KR" altLang="en-US" dirty="0"/>
+          </a:p>
+        </p:txBody>
+      </p:sp>
+      <p:sp>
+        <p:nvSpPr>
+          <p:cNvPr id="29" name="타원 28"/>
+          <p:cNvSpPr/>
+          <p:nvPr/>
+        </p:nvSpPr>
+        <p:spPr>
+          <a:xfrm>
+            <a:off x="8246838" y="147019"/>
+            <a:ext cx="1177477" cy="446013"/>
+          </a:xfrm>
+          <a:prstGeom prst="ellipse">
+            <a:avLst/>
+          </a:prstGeom>
+        </p:spPr>
+        <p:style>
+          <a:lnRef idx="2">
+            <a:schemeClr val="dk1"/>
+          </a:lnRef>
+          <a:fillRef idx="1">
+            <a:schemeClr val="lt1"/>
+          </a:fillRef>
+          <a:effectRef idx="0">
+            <a:schemeClr val="dk1"/>
+          </a:effectRef>
+          <a:fontRef idx="minor">
+            <a:schemeClr val="dk1"/>
+          </a:fontRef>
+        </p:style>
+        <p:txBody>
+          <a:bodyPr rtlCol="0" anchor="ctr"/>
+          <a:lstStyle/>
+          <a:p>
+            <a:pPr algn="ctr"/>
+            <a:r>
+              <a:rPr lang="ko-KR" altLang="en-US" dirty="0" smtClean="0"/>
+              <a:t>작성일</a:t>
+            </a:r>
+            <a:endParaRPr lang="ko-KR" altLang="en-US" dirty="0"/>
+          </a:p>
+        </p:txBody>
+      </p:sp>
+      <p:cxnSp>
+        <p:nvCxnSpPr>
+          <p:cNvPr id="31" name="직선 연결선 30"/>
+          <p:cNvCxnSpPr>
+            <a:stCxn id="6" idx="0"/>
+            <a:endCxn id="26" idx="4"/>
+          </p:cNvCxnSpPr>
+          <p:nvPr/>
+        </p:nvCxnSpPr>
+        <p:spPr>
+          <a:xfrm flipH="1" flipV="1">
+            <a:off x="4609370" y="662007"/>
+            <a:ext cx="4888958" cy="784950"/>
+          </a:xfrm>
+          <a:prstGeom prst="line">
+            <a:avLst/>
+          </a:prstGeom>
+          <a:ln>
+            <a:solidFill>
+              <a:schemeClr val="tx1"/>
+            </a:solidFill>
+          </a:ln>
+        </p:spPr>
+        <p:style>
+          <a:lnRef idx="1">
+            <a:schemeClr val="accent1"/>
+          </a:lnRef>
+          <a:fillRef idx="0">
+            <a:schemeClr val="accent1"/>
+          </a:fillRef>
+          <a:effectRef idx="0">
+            <a:schemeClr val="accent1"/>
+          </a:effectRef>
+          <a:fontRef idx="minor">
+            <a:schemeClr val="tx1"/>
+          </a:fontRef>
+        </p:style>
+      </p:cxnSp>
+      <p:cxnSp>
+        <p:nvCxnSpPr>
+          <p:cNvPr id="33" name="직선 연결선 32"/>
+          <p:cNvCxnSpPr>
+            <a:stCxn id="6" idx="0"/>
+            <a:endCxn id="27" idx="4"/>
+          </p:cNvCxnSpPr>
+          <p:nvPr/>
+        </p:nvCxnSpPr>
+        <p:spPr>
+          <a:xfrm flipH="1" flipV="1">
+            <a:off x="5960291" y="618948"/>
+            <a:ext cx="3538037" cy="828009"/>
+          </a:xfrm>
+          <a:prstGeom prst="line">
+            <a:avLst/>
+          </a:prstGeom>
+          <a:ln>
+            <a:solidFill>
+              <a:schemeClr val="tx1"/>
+            </a:solidFill>
+          </a:ln>
+        </p:spPr>
+        <p:style>
+          <a:lnRef idx="1">
+            <a:schemeClr val="accent1"/>
+          </a:lnRef>
+          <a:fillRef idx="0">
+            <a:schemeClr val="accent1"/>
+          </a:fillRef>
+          <a:effectRef idx="0">
+            <a:schemeClr val="accent1"/>
+          </a:effectRef>
+          <a:fontRef idx="minor">
+            <a:schemeClr val="tx1"/>
+          </a:fontRef>
+        </p:style>
+      </p:cxnSp>
+      <p:cxnSp>
+        <p:nvCxnSpPr>
+          <p:cNvPr id="35" name="직선 연결선 34"/>
+          <p:cNvCxnSpPr>
+            <a:stCxn id="6" idx="0"/>
+          </p:cNvCxnSpPr>
+          <p:nvPr/>
+        </p:nvCxnSpPr>
+        <p:spPr>
+          <a:xfrm flipH="1" flipV="1">
+            <a:off x="7317791" y="626752"/>
+            <a:ext cx="2180537" cy="820205"/>
+          </a:xfrm>
+          <a:prstGeom prst="line">
+            <a:avLst/>
+          </a:prstGeom>
+          <a:ln>
+            <a:solidFill>
+              <a:schemeClr val="tx1"/>
+            </a:solidFill>
+          </a:ln>
+        </p:spPr>
+        <p:style>
+          <a:lnRef idx="1">
+            <a:schemeClr val="accent1"/>
+          </a:lnRef>
+          <a:fillRef idx="0">
+            <a:schemeClr val="accent1"/>
+          </a:fillRef>
+          <a:effectRef idx="0">
+            <a:schemeClr val="accent1"/>
+          </a:effectRef>
+          <a:fontRef idx="minor">
+            <a:schemeClr val="tx1"/>
+          </a:fontRef>
+        </p:style>
+      </p:cxnSp>
+      <p:cxnSp>
+        <p:nvCxnSpPr>
+          <p:cNvPr id="37" name="직선 연결선 36"/>
+          <p:cNvCxnSpPr>
+            <a:stCxn id="6" idx="0"/>
+            <a:endCxn id="29" idx="0"/>
+          </p:cNvCxnSpPr>
+          <p:nvPr/>
+        </p:nvCxnSpPr>
+        <p:spPr>
+          <a:xfrm flipH="1" flipV="1">
+            <a:off x="8835577" y="147019"/>
+            <a:ext cx="662751" cy="1299938"/>
+          </a:xfrm>
+          <a:prstGeom prst="line">
+            <a:avLst/>
+          </a:prstGeom>
+          <a:ln>
+            <a:solidFill>
+              <a:schemeClr val="tx1"/>
+            </a:solidFill>
+          </a:ln>
+        </p:spPr>
+        <p:style>
+          <a:lnRef idx="1">
+            <a:schemeClr val="accent1"/>
+          </a:lnRef>
+          <a:fillRef idx="0">
+            <a:schemeClr val="accent1"/>
+          </a:fillRef>
+          <a:effectRef idx="0">
+            <a:schemeClr val="accent1"/>
+          </a:effectRef>
+          <a:fontRef idx="minor">
+            <a:schemeClr val="tx1"/>
+          </a:fontRef>
+        </p:style>
+      </p:cxnSp>
+      <p:sp>
+        <p:nvSpPr>
+          <p:cNvPr id="39" name="순서도: 판단 38"/>
+          <p:cNvSpPr/>
+          <p:nvPr/>
+        </p:nvSpPr>
+        <p:spPr>
+          <a:xfrm>
+            <a:off x="5136236" y="1151820"/>
+            <a:ext cx="1628775" cy="1091279"/>
+          </a:xfrm>
+          <a:prstGeom prst="flowChartDecision">
+            <a:avLst/>
+          </a:prstGeom>
+        </p:spPr>
+        <p:style>
+          <a:lnRef idx="2">
+            <a:schemeClr val="dk1"/>
+          </a:lnRef>
+          <a:fillRef idx="1">
+            <a:schemeClr val="lt1"/>
+          </a:fillRef>
+          <a:effectRef idx="0">
+            <a:schemeClr val="dk1"/>
+          </a:effectRef>
+          <a:fontRef idx="minor">
+            <a:schemeClr val="dk1"/>
+          </a:fontRef>
+        </p:style>
+        <p:txBody>
+          <a:bodyPr rtlCol="0" anchor="ctr"/>
+          <a:lstStyle/>
+          <a:p>
+            <a:pPr algn="ctr"/>
+            <a:r>
+              <a:rPr lang="ko-KR" altLang="en-US" dirty="0" smtClean="0"/>
+              <a:t>쓴다</a:t>
+            </a:r>
+            <a:endParaRPr lang="ko-KR" altLang="en-US" dirty="0"/>
+          </a:p>
+        </p:txBody>
+      </p:sp>
+      <p:cxnSp>
+        <p:nvCxnSpPr>
+          <p:cNvPr id="41" name="직선 연결선 40"/>
+          <p:cNvCxnSpPr>
+            <a:stCxn id="6" idx="1"/>
+            <a:endCxn id="39" idx="3"/>
+          </p:cNvCxnSpPr>
+          <p:nvPr/>
+        </p:nvCxnSpPr>
+        <p:spPr>
+          <a:xfrm flipH="1">
+            <a:off x="6765011" y="1696725"/>
+            <a:ext cx="2117817" cy="735"/>
+          </a:xfrm>
+          <a:prstGeom prst="line">
+            <a:avLst/>
+          </a:prstGeom>
+          <a:ln>
+            <a:solidFill>
+              <a:schemeClr val="tx1"/>
+            </a:solidFill>
+          </a:ln>
+        </p:spPr>
+        <p:style>
+          <a:lnRef idx="1">
+            <a:schemeClr val="accent1"/>
+          </a:lnRef>
+          <a:fillRef idx="0">
+            <a:schemeClr val="accent1"/>
+          </a:fillRef>
+          <a:effectRef idx="0">
+            <a:schemeClr val="accent1"/>
+          </a:effectRef>
+          <a:fontRef idx="minor">
+            <a:schemeClr val="tx1"/>
+          </a:fontRef>
+        </p:style>
+      </p:cxnSp>
+      <p:cxnSp>
+        <p:nvCxnSpPr>
+          <p:cNvPr id="43" name="직선 연결선 42"/>
+          <p:cNvCxnSpPr>
+            <a:stCxn id="39" idx="1"/>
+            <a:endCxn id="5" idx="3"/>
+          </p:cNvCxnSpPr>
+          <p:nvPr/>
+        </p:nvCxnSpPr>
+        <p:spPr>
+          <a:xfrm flipH="1" flipV="1">
+            <a:off x="3702204" y="1685434"/>
+            <a:ext cx="1434032" cy="12026"/>
+          </a:xfrm>
+          <a:prstGeom prst="line">
+            <a:avLst/>
+          </a:prstGeom>
+          <a:ln>
+            <a:solidFill>
+              <a:schemeClr val="tx1"/>
+            </a:solidFill>
+          </a:ln>
+        </p:spPr>
+        <p:style>
+          <a:lnRef idx="1">
+            <a:schemeClr val="accent1"/>
+          </a:lnRef>
+          <a:fillRef idx="0">
+            <a:schemeClr val="accent1"/>
+          </a:fillRef>
+          <a:effectRef idx="0">
+            <a:schemeClr val="accent1"/>
+          </a:effectRef>
+          <a:fontRef idx="minor">
+            <a:schemeClr val="tx1"/>
+          </a:fontRef>
+        </p:style>
+      </p:cxnSp>
+      <p:sp>
+        <p:nvSpPr>
+          <p:cNvPr id="44" name="TextBox 43"/>
+          <p:cNvSpPr txBox="1"/>
+          <p:nvPr/>
+        </p:nvSpPr>
+        <p:spPr>
+          <a:xfrm>
+            <a:off x="7763025" y="1032484"/>
+            <a:ext cx="537327" cy="646331"/>
+          </a:xfrm>
+          <a:prstGeom prst="rect">
+            <a:avLst/>
+          </a:prstGeom>
+          <a:noFill/>
+        </p:spPr>
+        <p:txBody>
+          <a:bodyPr wrap="none" rtlCol="0">
+            <a:spAutoFit/>
+          </a:bodyPr>
+          <a:lstStyle/>
+          <a:p>
+            <a:r>
+              <a:rPr lang="en-US" altLang="ko-KR" sz="3600" dirty="0" smtClean="0"/>
+              <a:t>N</a:t>
+            </a:r>
+            <a:endParaRPr lang="ko-KR" altLang="en-US" sz="3600" dirty="0"/>
+          </a:p>
+        </p:txBody>
+      </p:sp>
+      <p:sp>
+        <p:nvSpPr>
+          <p:cNvPr id="45" name="TextBox 44"/>
+          <p:cNvSpPr txBox="1"/>
+          <p:nvPr/>
+        </p:nvSpPr>
+        <p:spPr>
+          <a:xfrm>
+            <a:off x="3831239" y="1032484"/>
+            <a:ext cx="439544" cy="646331"/>
+          </a:xfrm>
+          <a:prstGeom prst="rect">
+            <a:avLst/>
+          </a:prstGeom>
+          <a:noFill/>
+        </p:spPr>
+        <p:txBody>
+          <a:bodyPr wrap="none" rtlCol="0">
+            <a:spAutoFit/>
+          </a:bodyPr>
+          <a:lstStyle/>
+          <a:p>
+            <a:r>
+              <a:rPr lang="en-US" altLang="ko-KR" sz="3600" dirty="0" smtClean="0"/>
+              <a:t>1</a:t>
+            </a:r>
+            <a:endParaRPr lang="ko-KR" altLang="en-US" sz="3600" dirty="0"/>
+          </a:p>
+        </p:txBody>
+      </p:sp>
+      <p:sp>
+        <p:nvSpPr>
+          <p:cNvPr id="51" name="TextBox 50"/>
+          <p:cNvSpPr txBox="1"/>
+          <p:nvPr/>
+        </p:nvSpPr>
+        <p:spPr>
+          <a:xfrm>
+            <a:off x="7740849" y="1704000"/>
+            <a:ext cx="630301" cy="369332"/>
+          </a:xfrm>
+          <a:prstGeom prst="rect">
+            <a:avLst/>
+          </a:prstGeom>
+          <a:noFill/>
+        </p:spPr>
+        <p:txBody>
+          <a:bodyPr wrap="none" rtlCol="0">
+            <a:spAutoFit/>
+          </a:bodyPr>
+          <a:lstStyle/>
+          <a:p>
+            <a:r>
+              <a:rPr lang="en-US" altLang="ko-KR" dirty="0" smtClean="0"/>
+              <a:t>(1,1)</a:t>
+            </a:r>
+            <a:endParaRPr lang="ko-KR" altLang="en-US" dirty="0"/>
+          </a:p>
+        </p:txBody>
+      </p:sp>
+      <p:sp>
+        <p:nvSpPr>
+          <p:cNvPr id="52" name="TextBox 51"/>
+          <p:cNvSpPr txBox="1"/>
+          <p:nvPr/>
+        </p:nvSpPr>
+        <p:spPr>
+          <a:xfrm>
+            <a:off x="3766625" y="1704000"/>
+            <a:ext cx="601447" cy="369332"/>
+          </a:xfrm>
+          <a:prstGeom prst="rect">
+            <a:avLst/>
+          </a:prstGeom>
+          <a:noFill/>
+        </p:spPr>
+        <p:txBody>
+          <a:bodyPr wrap="none" rtlCol="0">
+            <a:spAutoFit/>
+          </a:bodyPr>
+          <a:lstStyle/>
+          <a:p>
+            <a:r>
+              <a:rPr lang="en-US" altLang="ko-KR" dirty="0" smtClean="0"/>
+              <a:t>(0,*)</a:t>
+            </a:r>
+            <a:endParaRPr lang="ko-KR" altLang="en-US" dirty="0"/>
+          </a:p>
+        </p:txBody>
+      </p:sp>
+      <p:sp>
+        <p:nvSpPr>
+          <p:cNvPr id="53" name="TextBox 52"/>
+          <p:cNvSpPr txBox="1"/>
+          <p:nvPr/>
+        </p:nvSpPr>
+        <p:spPr>
+          <a:xfrm>
+            <a:off x="796303" y="5815114"/>
+            <a:ext cx="4782078" cy="369332"/>
+          </a:xfrm>
+          <a:prstGeom prst="rect">
+            <a:avLst/>
+          </a:prstGeom>
+          <a:noFill/>
+        </p:spPr>
+        <p:txBody>
+          <a:bodyPr wrap="none" rtlCol="0">
+            <a:spAutoFit/>
+          </a:bodyPr>
+          <a:lstStyle/>
+          <a:p>
+            <a:r>
+              <a:rPr lang="ko-KR" altLang="en-US" dirty="0" smtClean="0"/>
+              <a:t>회원</a:t>
+            </a:r>
+            <a:r>
+              <a:rPr lang="en-US" altLang="ko-KR" dirty="0" smtClean="0"/>
+              <a:t>(</a:t>
+            </a:r>
+            <a:r>
+              <a:rPr lang="ko-KR" altLang="en-US" u="sng" dirty="0" err="1" smtClean="0"/>
+              <a:t>회원번호</a:t>
+            </a:r>
+            <a:r>
+              <a:rPr lang="en-US" altLang="ko-KR" dirty="0" smtClean="0"/>
+              <a:t>, </a:t>
+            </a:r>
+            <a:r>
+              <a:rPr lang="ko-KR" altLang="en-US" dirty="0" smtClean="0"/>
+              <a:t>이름</a:t>
+            </a:r>
+            <a:r>
+              <a:rPr lang="en-US" altLang="ko-KR" dirty="0" smtClean="0"/>
+              <a:t>, </a:t>
+            </a:r>
+            <a:r>
+              <a:rPr lang="ko-KR" altLang="en-US" dirty="0" smtClean="0"/>
+              <a:t>닉네임</a:t>
+            </a:r>
+            <a:r>
+              <a:rPr lang="en-US" altLang="ko-KR" dirty="0" smtClean="0"/>
+              <a:t>, </a:t>
+            </a:r>
+            <a:r>
+              <a:rPr lang="ko-KR" altLang="en-US" dirty="0" smtClean="0"/>
+              <a:t>이메일</a:t>
+            </a:r>
+            <a:r>
+              <a:rPr lang="en-US" altLang="ko-KR" dirty="0" smtClean="0"/>
+              <a:t>, </a:t>
+            </a:r>
+            <a:r>
+              <a:rPr lang="ko-KR" altLang="en-US" dirty="0" smtClean="0"/>
+              <a:t>가입일</a:t>
+            </a:r>
+            <a:r>
+              <a:rPr lang="en-US" altLang="ko-KR" dirty="0" smtClean="0"/>
+              <a:t>)</a:t>
+            </a:r>
+            <a:endParaRPr lang="ko-KR" altLang="en-US" dirty="0"/>
+          </a:p>
+        </p:txBody>
+      </p:sp>
+      <p:sp>
+        <p:nvSpPr>
+          <p:cNvPr id="54" name="TextBox 53"/>
+          <p:cNvSpPr txBox="1"/>
+          <p:nvPr/>
+        </p:nvSpPr>
+        <p:spPr>
+          <a:xfrm>
+            <a:off x="796303" y="6297065"/>
+            <a:ext cx="5636479" cy="369332"/>
+          </a:xfrm>
+          <a:prstGeom prst="rect">
+            <a:avLst/>
+          </a:prstGeom>
+          <a:noFill/>
+        </p:spPr>
+        <p:txBody>
+          <a:bodyPr wrap="none" rtlCol="0">
+            <a:spAutoFit/>
+          </a:bodyPr>
+          <a:lstStyle/>
+          <a:p>
+            <a:r>
+              <a:rPr lang="ko-KR" altLang="en-US" dirty="0" smtClean="0"/>
+              <a:t>게시판</a:t>
+            </a:r>
+            <a:r>
+              <a:rPr lang="en-US" altLang="ko-KR" dirty="0" smtClean="0"/>
+              <a:t>(</a:t>
+            </a:r>
+            <a:r>
+              <a:rPr lang="ko-KR" altLang="en-US" u="sng" dirty="0" err="1" smtClean="0"/>
+              <a:t>게시물번호</a:t>
+            </a:r>
+            <a:r>
+              <a:rPr lang="en-US" altLang="ko-KR" dirty="0" smtClean="0"/>
+              <a:t>, </a:t>
+            </a:r>
+            <a:r>
+              <a:rPr lang="ko-KR" altLang="en-US" dirty="0" smtClean="0"/>
+              <a:t>제목</a:t>
+            </a:r>
+            <a:r>
+              <a:rPr lang="en-US" altLang="ko-KR" dirty="0" smtClean="0"/>
+              <a:t>, </a:t>
+            </a:r>
+            <a:r>
+              <a:rPr lang="ko-KR" altLang="en-US" dirty="0" smtClean="0"/>
+              <a:t>내용</a:t>
+            </a:r>
+            <a:r>
+              <a:rPr lang="en-US" altLang="ko-KR" dirty="0" smtClean="0"/>
+              <a:t>, </a:t>
+            </a:r>
+            <a:r>
+              <a:rPr lang="ko-KR" altLang="en-US" dirty="0" smtClean="0"/>
+              <a:t>작성일</a:t>
+            </a:r>
+            <a:r>
+              <a:rPr lang="en-US" altLang="ko-KR" dirty="0" smtClean="0"/>
+              <a:t>, FK(</a:t>
+            </a:r>
+            <a:r>
+              <a:rPr lang="ko-KR" altLang="en-US" u="sng" dirty="0" err="1" smtClean="0"/>
+              <a:t>회원번호</a:t>
+            </a:r>
+            <a:r>
+              <a:rPr lang="en-US" altLang="ko-KR" dirty="0" smtClean="0"/>
+              <a:t>))</a:t>
+            </a:r>
+            <a:endParaRPr lang="ko-KR" altLang="en-US" dirty="0"/>
+          </a:p>
+        </p:txBody>
+      </p:sp>
+      <p:sp>
+        <p:nvSpPr>
+          <p:cNvPr id="30" name="순서도: 판단 29"/>
+          <p:cNvSpPr/>
+          <p:nvPr/>
+        </p:nvSpPr>
+        <p:spPr>
+          <a:xfrm>
+            <a:off x="8513893" y="2390890"/>
+            <a:ext cx="1968868" cy="1319142"/>
+          </a:xfrm>
+          <a:prstGeom prst="flowChartDecision">
+            <a:avLst/>
+          </a:prstGeom>
+        </p:spPr>
+        <p:style>
+          <a:lnRef idx="2">
+            <a:schemeClr val="dk1"/>
+          </a:lnRef>
+          <a:fillRef idx="1">
+            <a:schemeClr val="lt1"/>
+          </a:fillRef>
+          <a:effectRef idx="0">
+            <a:schemeClr val="dk1"/>
+          </a:effectRef>
+          <a:fontRef idx="minor">
+            <a:schemeClr val="dk1"/>
+          </a:fontRef>
+        </p:style>
+        <p:txBody>
+          <a:bodyPr rtlCol="0" anchor="ctr"/>
+          <a:lstStyle/>
+          <a:p>
+            <a:pPr algn="ctr"/>
+            <a:endParaRPr lang="ko-KR" altLang="en-US" dirty="0"/>
+          </a:p>
+        </p:txBody>
+      </p:sp>
+      <p:sp>
+        <p:nvSpPr>
+          <p:cNvPr id="46" name="순서도: 판단 45"/>
+          <p:cNvSpPr/>
+          <p:nvPr/>
+        </p:nvSpPr>
+        <p:spPr>
+          <a:xfrm>
+            <a:off x="8741356" y="2543290"/>
+            <a:ext cx="1513942" cy="1014342"/>
+          </a:xfrm>
+          <a:prstGeom prst="flowChartDecision">
+            <a:avLst/>
+          </a:prstGeom>
+        </p:spPr>
+        <p:style>
+          <a:lnRef idx="2">
+            <a:schemeClr val="dk1"/>
+          </a:lnRef>
+          <a:fillRef idx="1">
+            <a:schemeClr val="lt1"/>
+          </a:fillRef>
+          <a:effectRef idx="0">
+            <a:schemeClr val="dk1"/>
+          </a:effectRef>
+          <a:fontRef idx="minor">
+            <a:schemeClr val="dk1"/>
+          </a:fontRef>
+        </p:style>
+        <p:txBody>
+          <a:bodyPr rtlCol="0" anchor="ctr"/>
+          <a:lstStyle/>
+          <a:p>
+            <a:pPr algn="ctr"/>
+            <a:r>
+              <a:rPr lang="ko-KR" altLang="en-US" dirty="0" smtClean="0"/>
+              <a:t>첨부</a:t>
+            </a:r>
+            <a:endParaRPr lang="ko-KR" altLang="en-US" dirty="0"/>
+          </a:p>
+        </p:txBody>
+      </p:sp>
+      <p:cxnSp>
+        <p:nvCxnSpPr>
+          <p:cNvPr id="34" name="직선 연결선 33"/>
+          <p:cNvCxnSpPr>
+            <a:stCxn id="6" idx="2"/>
+            <a:endCxn id="30" idx="0"/>
+          </p:cNvCxnSpPr>
+          <p:nvPr/>
+        </p:nvCxnSpPr>
+        <p:spPr>
+          <a:xfrm flipH="1">
+            <a:off x="9498327" y="1946493"/>
+            <a:ext cx="1" cy="444397"/>
+          </a:xfrm>
+          <a:prstGeom prst="line">
+            <a:avLst/>
+          </a:prstGeom>
+          <a:ln>
+            <a:solidFill>
+              <a:schemeClr val="tx1"/>
+            </a:solidFill>
+          </a:ln>
+        </p:spPr>
+        <p:style>
+          <a:lnRef idx="1">
+            <a:schemeClr val="accent1"/>
+          </a:lnRef>
+          <a:fillRef idx="0">
+            <a:schemeClr val="accent1"/>
+          </a:fillRef>
+          <a:effectRef idx="0">
+            <a:schemeClr val="accent1"/>
+          </a:effectRef>
+          <a:fontRef idx="minor">
+            <a:schemeClr val="tx1"/>
+          </a:fontRef>
+        </p:style>
+      </p:cxnSp>
+      <p:cxnSp>
+        <p:nvCxnSpPr>
+          <p:cNvPr id="38" name="직선 연결선 37"/>
+          <p:cNvCxnSpPr>
+            <a:stCxn id="30" idx="2"/>
+            <a:endCxn id="8" idx="0"/>
+          </p:cNvCxnSpPr>
+          <p:nvPr/>
+        </p:nvCxnSpPr>
+        <p:spPr>
+          <a:xfrm>
+            <a:off x="9498327" y="3710032"/>
+            <a:ext cx="1" cy="317559"/>
+          </a:xfrm>
+          <a:prstGeom prst="line">
+            <a:avLst/>
+          </a:prstGeom>
+          <a:ln>
+            <a:solidFill>
+              <a:schemeClr val="tx1"/>
+            </a:solidFill>
+          </a:ln>
+        </p:spPr>
+        <p:style>
+          <a:lnRef idx="1">
+            <a:schemeClr val="accent1"/>
+          </a:lnRef>
+          <a:fillRef idx="0">
+            <a:schemeClr val="accent1"/>
+          </a:fillRef>
+          <a:effectRef idx="0">
+            <a:schemeClr val="accent1"/>
+          </a:effectRef>
+          <a:fontRef idx="minor">
+            <a:schemeClr val="tx1"/>
+          </a:fontRef>
+        </p:style>
+      </p:cxnSp>
+      <p:sp>
+        <p:nvSpPr>
+          <p:cNvPr id="40" name="TextBox 39"/>
+          <p:cNvSpPr txBox="1"/>
+          <p:nvPr/>
+        </p:nvSpPr>
+        <p:spPr>
+          <a:xfrm>
+            <a:off x="9722984" y="2001892"/>
+            <a:ext cx="311304" cy="369332"/>
+          </a:xfrm>
+          <a:prstGeom prst="rect">
+            <a:avLst/>
+          </a:prstGeom>
+          <a:noFill/>
+        </p:spPr>
+        <p:txBody>
+          <a:bodyPr wrap="none" rtlCol="0">
+            <a:spAutoFit/>
+          </a:bodyPr>
+          <a:lstStyle/>
+          <a:p>
+            <a:r>
+              <a:rPr lang="en-US" altLang="ko-KR" dirty="0" smtClean="0"/>
+              <a:t>1</a:t>
+            </a:r>
+            <a:endParaRPr lang="ko-KR" altLang="en-US" dirty="0"/>
+          </a:p>
+        </p:txBody>
+      </p:sp>
+      <p:sp>
+        <p:nvSpPr>
+          <p:cNvPr id="50" name="TextBox 49"/>
+          <p:cNvSpPr txBox="1"/>
+          <p:nvPr/>
+        </p:nvSpPr>
+        <p:spPr>
+          <a:xfrm>
+            <a:off x="9722984" y="3673157"/>
+            <a:ext cx="360996" cy="369332"/>
+          </a:xfrm>
+          <a:prstGeom prst="rect">
+            <a:avLst/>
+          </a:prstGeom>
+          <a:noFill/>
+        </p:spPr>
+        <p:txBody>
+          <a:bodyPr wrap="none" rtlCol="0">
+            <a:spAutoFit/>
+          </a:bodyPr>
+          <a:lstStyle/>
+          <a:p>
+            <a:r>
+              <a:rPr lang="en-US" altLang="ko-KR" dirty="0" smtClean="0"/>
+              <a:t>N</a:t>
+            </a:r>
+            <a:endParaRPr lang="ko-KR" altLang="en-US" dirty="0"/>
+          </a:p>
+        </p:txBody>
+      </p:sp>
+      <p:sp>
+        <p:nvSpPr>
+          <p:cNvPr id="42" name="타원 41"/>
+          <p:cNvSpPr/>
+          <p:nvPr/>
+        </p:nvSpPr>
+        <p:spPr>
+          <a:xfrm>
+            <a:off x="8030981" y="5145250"/>
+            <a:ext cx="1638279" cy="669864"/>
+          </a:xfrm>
+          <a:prstGeom prst="ellipse">
+            <a:avLst/>
+          </a:prstGeom>
+        </p:spPr>
+        <p:style>
+          <a:lnRef idx="2">
+            <a:schemeClr val="dk1"/>
+          </a:lnRef>
+          <a:fillRef idx="1">
+            <a:schemeClr val="lt1"/>
+          </a:fillRef>
+          <a:effectRef idx="0">
+            <a:schemeClr val="dk1"/>
+          </a:effectRef>
+          <a:fontRef idx="minor">
+            <a:schemeClr val="dk1"/>
+          </a:fontRef>
+        </p:style>
+        <p:txBody>
+          <a:bodyPr rtlCol="0" anchor="ctr"/>
+          <a:lstStyle/>
+          <a:p>
+            <a:pPr algn="ctr"/>
+            <a:r>
+              <a:rPr lang="ko-KR" altLang="en-US" dirty="0" smtClean="0"/>
+              <a:t>파일이름</a:t>
+            </a:r>
+            <a:endParaRPr lang="ko-KR" altLang="en-US" dirty="0"/>
+          </a:p>
+        </p:txBody>
+      </p:sp>
+      <p:sp>
+        <p:nvSpPr>
+          <p:cNvPr id="55" name="타원 54"/>
+          <p:cNvSpPr/>
+          <p:nvPr/>
+        </p:nvSpPr>
+        <p:spPr>
+          <a:xfrm>
+            <a:off x="9903286" y="5145250"/>
+            <a:ext cx="1638279" cy="669864"/>
+          </a:xfrm>
+          <a:prstGeom prst="ellipse">
+            <a:avLst/>
+          </a:prstGeom>
+        </p:spPr>
+        <p:style>
+          <a:lnRef idx="2">
+            <a:schemeClr val="dk1"/>
+          </a:lnRef>
+          <a:fillRef idx="1">
+            <a:schemeClr val="lt1"/>
+          </a:fillRef>
+          <a:effectRef idx="0">
+            <a:schemeClr val="dk1"/>
+          </a:effectRef>
+          <a:fontRef idx="minor">
+            <a:schemeClr val="dk1"/>
+          </a:fontRef>
+        </p:style>
+        <p:txBody>
+          <a:bodyPr rtlCol="0" anchor="ctr"/>
+          <a:lstStyle/>
+          <a:p>
+            <a:pPr algn="ctr"/>
+            <a:r>
+              <a:rPr lang="ko-KR" altLang="en-US" dirty="0" smtClean="0"/>
+              <a:t>사이즈</a:t>
+            </a:r>
+            <a:endParaRPr lang="ko-KR" altLang="en-US" dirty="0"/>
+          </a:p>
+        </p:txBody>
+      </p:sp>
+      <p:cxnSp>
+        <p:nvCxnSpPr>
+          <p:cNvPr id="48" name="직선 연결선 47"/>
+          <p:cNvCxnSpPr>
+            <a:stCxn id="8" idx="2"/>
+            <a:endCxn id="42" idx="0"/>
+          </p:cNvCxnSpPr>
+          <p:nvPr/>
+        </p:nvCxnSpPr>
+        <p:spPr>
+          <a:xfrm flipH="1">
+            <a:off x="8850121" y="4827691"/>
+            <a:ext cx="648207" cy="317559"/>
+          </a:xfrm>
+          <a:prstGeom prst="line">
+            <a:avLst/>
+          </a:prstGeom>
+          <a:ln>
+            <a:solidFill>
+              <a:schemeClr val="tx1"/>
+            </a:solidFill>
+          </a:ln>
+        </p:spPr>
+        <p:style>
+          <a:lnRef idx="1">
+            <a:schemeClr val="accent1"/>
+          </a:lnRef>
+          <a:fillRef idx="0">
+            <a:schemeClr val="accent1"/>
+          </a:fillRef>
+          <a:effectRef idx="0">
+            <a:schemeClr val="accent1"/>
+          </a:effectRef>
+          <a:fontRef idx="minor">
+            <a:schemeClr val="tx1"/>
+          </a:fontRef>
+        </p:style>
+      </p:cxnSp>
+      <p:cxnSp>
+        <p:nvCxnSpPr>
+          <p:cNvPr id="56" name="직선 연결선 55"/>
+          <p:cNvCxnSpPr>
+            <a:stCxn id="8" idx="2"/>
+            <a:endCxn id="55" idx="0"/>
+          </p:cNvCxnSpPr>
+          <p:nvPr/>
+        </p:nvCxnSpPr>
+        <p:spPr>
+          <a:xfrm>
+            <a:off x="9498328" y="4827691"/>
+            <a:ext cx="1224098" cy="317559"/>
+          </a:xfrm>
+          <a:prstGeom prst="line">
+            <a:avLst/>
+          </a:prstGeom>
+          <a:ln>
+            <a:solidFill>
+              <a:schemeClr val="tx1"/>
+            </a:solidFill>
+          </a:ln>
+        </p:spPr>
+        <p:style>
+          <a:lnRef idx="1">
+            <a:schemeClr val="accent1"/>
+          </a:lnRef>
+          <a:fillRef idx="0">
+            <a:schemeClr val="accent1"/>
+          </a:fillRef>
+          <a:effectRef idx="0">
+            <a:schemeClr val="accent1"/>
+          </a:effectRef>
+          <a:fontRef idx="minor">
+            <a:schemeClr val="tx1"/>
+          </a:fontRef>
+        </p:style>
+      </p:cxnSp>
+      <p:sp>
+        <p:nvSpPr>
+          <p:cNvPr id="58" name="직사각형 57"/>
+          <p:cNvSpPr/>
+          <p:nvPr/>
+        </p:nvSpPr>
+        <p:spPr>
+          <a:xfrm>
+            <a:off x="7311211" y="-203200"/>
+            <a:ext cx="3909239" cy="6387646"/>
+          </a:xfrm>
+          <a:prstGeom prst="rect">
+            <a:avLst/>
+          </a:prstGeom>
+          <a:noFill/>
+          <a:ln>
+            <a:solidFill>
+              <a:srgbClr val="FF0000"/>
+            </a:solidFill>
+          </a:ln>
+        </p:spPr>
+        <p:style>
+          <a:lnRef idx="2">
+            <a:schemeClr val="dk1"/>
+          </a:lnRef>
+          <a:fillRef idx="1">
+            <a:schemeClr val="lt1"/>
+          </a:fillRef>
+          <a:effectRef idx="0">
+            <a:schemeClr val="dk1"/>
+          </a:effectRef>
+          <a:fontRef idx="minor">
+            <a:schemeClr val="dk1"/>
+          </a:fontRef>
+        </p:style>
+        <p:txBody>
+          <a:bodyPr rtlCol="0" anchor="ctr"/>
+          <a:lstStyle/>
+          <a:p>
+            <a:pPr algn="ctr"/>
+            <a:endParaRPr lang="ko-KR" altLang="en-US"/>
+          </a:p>
+        </p:txBody>
+      </p:sp>
+      <p:sp>
+        <p:nvSpPr>
+          <p:cNvPr id="59" name="TextBox 58"/>
+          <p:cNvSpPr txBox="1"/>
+          <p:nvPr/>
+        </p:nvSpPr>
+        <p:spPr>
+          <a:xfrm>
+            <a:off x="796303" y="5300665"/>
+            <a:ext cx="5272597" cy="369332"/>
+          </a:xfrm>
+          <a:prstGeom prst="rect">
+            <a:avLst/>
+          </a:prstGeom>
+          <a:noFill/>
+        </p:spPr>
+        <p:txBody>
+          <a:bodyPr wrap="none" rtlCol="0">
+            <a:spAutoFit/>
+          </a:bodyPr>
+          <a:lstStyle/>
+          <a:p>
+            <a:r>
+              <a:rPr lang="ko-KR" altLang="en-US" dirty="0" smtClean="0"/>
+              <a:t>첨부파일</a:t>
+            </a:r>
+            <a:r>
+              <a:rPr lang="en-US" altLang="ko-KR" dirty="0" smtClean="0"/>
+              <a:t>(</a:t>
+            </a:r>
+            <a:r>
+              <a:rPr lang="ko-KR" altLang="en-US" u="sng" dirty="0" smtClean="0"/>
+              <a:t>번호</a:t>
+            </a:r>
+            <a:r>
+              <a:rPr lang="en-US" altLang="ko-KR" dirty="0" smtClean="0"/>
+              <a:t>, </a:t>
+            </a:r>
+            <a:r>
+              <a:rPr lang="ko-KR" altLang="en-US" dirty="0" smtClean="0"/>
+              <a:t>파일이름</a:t>
+            </a:r>
+            <a:r>
+              <a:rPr lang="en-US" altLang="ko-KR" dirty="0" smtClean="0"/>
+              <a:t>, </a:t>
+            </a:r>
+            <a:r>
+              <a:rPr lang="ko-KR" altLang="en-US" dirty="0" smtClean="0"/>
+              <a:t>사이즈</a:t>
+            </a:r>
+            <a:r>
+              <a:rPr lang="en-US" altLang="ko-KR" dirty="0" smtClean="0"/>
+              <a:t>, FK(</a:t>
+            </a:r>
+            <a:r>
+              <a:rPr lang="ko-KR" altLang="en-US" u="sng" dirty="0" err="1" smtClean="0"/>
+              <a:t>게시물번호</a:t>
+            </a:r>
+            <a:r>
+              <a:rPr lang="en-US" altLang="ko-KR" dirty="0" smtClean="0"/>
+              <a:t>))</a:t>
+            </a:r>
+            <a:endParaRPr lang="ko-KR" altLang="en-US" dirty="0"/>
+          </a:p>
+        </p:txBody>
+      </p:sp>
+      <p:sp>
+        <p:nvSpPr>
+          <p:cNvPr id="68" name="순서도: 판단 67"/>
+          <p:cNvSpPr/>
+          <p:nvPr/>
+        </p:nvSpPr>
+        <p:spPr>
+          <a:xfrm>
+            <a:off x="2952237" y="2421628"/>
+            <a:ext cx="1628775" cy="1091279"/>
+          </a:xfrm>
+          <a:prstGeom prst="flowChartDecision">
+            <a:avLst/>
+          </a:prstGeom>
+        </p:spPr>
+        <p:style>
+          <a:lnRef idx="2">
+            <a:schemeClr val="dk1"/>
+          </a:lnRef>
+          <a:fillRef idx="1">
+            <a:schemeClr val="lt1"/>
+          </a:fillRef>
+          <a:effectRef idx="0">
+            <a:schemeClr val="dk1"/>
+          </a:effectRef>
+          <a:fontRef idx="minor">
+            <a:schemeClr val="dk1"/>
+          </a:fontRef>
+        </p:style>
+        <p:txBody>
+          <a:bodyPr rtlCol="0" anchor="ctr"/>
+          <a:lstStyle/>
+          <a:p>
+            <a:pPr algn="ctr"/>
+            <a:r>
+              <a:rPr lang="ko-KR" altLang="en-US" dirty="0" smtClean="0"/>
+              <a:t>댓글을 쓴다</a:t>
+            </a:r>
+            <a:endParaRPr lang="ko-KR" altLang="en-US" dirty="0"/>
+          </a:p>
+        </p:txBody>
+      </p:sp>
+      <p:cxnSp>
+        <p:nvCxnSpPr>
+          <p:cNvPr id="70" name="직선 연결선 69"/>
+          <p:cNvCxnSpPr>
+            <a:stCxn id="5" idx="2"/>
+            <a:endCxn id="68" idx="0"/>
+          </p:cNvCxnSpPr>
+          <p:nvPr/>
+        </p:nvCxnSpPr>
+        <p:spPr>
+          <a:xfrm>
+            <a:off x="2889524" y="2015217"/>
+            <a:ext cx="877101" cy="406411"/>
+          </a:xfrm>
+          <a:prstGeom prst="line">
+            <a:avLst/>
+          </a:prstGeom>
+          <a:ln>
+            <a:solidFill>
+              <a:schemeClr val="tx1"/>
+            </a:solidFill>
+          </a:ln>
+        </p:spPr>
+        <p:style>
+          <a:lnRef idx="1">
+            <a:schemeClr val="accent1"/>
+          </a:lnRef>
+          <a:fillRef idx="0">
+            <a:schemeClr val="accent1"/>
+          </a:fillRef>
+          <a:effectRef idx="0">
+            <a:schemeClr val="accent1"/>
+          </a:effectRef>
+          <a:fontRef idx="minor">
+            <a:schemeClr val="tx1"/>
+          </a:fontRef>
+        </p:style>
+      </p:cxnSp>
+      <p:cxnSp>
+        <p:nvCxnSpPr>
+          <p:cNvPr id="72" name="직선 연결선 71"/>
+          <p:cNvCxnSpPr>
+            <a:stCxn id="68" idx="2"/>
+            <a:endCxn id="10" idx="1"/>
+          </p:cNvCxnSpPr>
+          <p:nvPr/>
+        </p:nvCxnSpPr>
+        <p:spPr>
+          <a:xfrm>
+            <a:off x="3766625" y="3512907"/>
+            <a:ext cx="897451" cy="539623"/>
+          </a:xfrm>
+          <a:prstGeom prst="line">
+            <a:avLst/>
+          </a:prstGeom>
+          <a:ln>
+            <a:solidFill>
+              <a:schemeClr val="tx1"/>
+            </a:solidFill>
+          </a:ln>
+        </p:spPr>
+        <p:style>
+          <a:lnRef idx="1">
+            <a:schemeClr val="accent1"/>
+          </a:lnRef>
+          <a:fillRef idx="0">
+            <a:schemeClr val="accent1"/>
+          </a:fillRef>
+          <a:effectRef idx="0">
+            <a:schemeClr val="accent1"/>
+          </a:effectRef>
+          <a:fontRef idx="minor">
+            <a:schemeClr val="tx1"/>
+          </a:fontRef>
+        </p:style>
+      </p:cxnSp>
+      <p:sp>
+        <p:nvSpPr>
+          <p:cNvPr id="75" name="순서도: 판단 74"/>
+          <p:cNvSpPr/>
+          <p:nvPr/>
+        </p:nvSpPr>
+        <p:spPr>
+          <a:xfrm>
+            <a:off x="6742375" y="2421628"/>
+            <a:ext cx="1628775" cy="1091279"/>
+          </a:xfrm>
+          <a:prstGeom prst="flowChartDecision">
+            <a:avLst/>
+          </a:prstGeom>
+        </p:spPr>
+        <p:style>
+          <a:lnRef idx="2">
+            <a:schemeClr val="dk1"/>
+          </a:lnRef>
+          <a:fillRef idx="1">
+            <a:schemeClr val="lt1"/>
+          </a:fillRef>
+          <a:effectRef idx="0">
+            <a:schemeClr val="dk1"/>
+          </a:effectRef>
+          <a:fontRef idx="minor">
+            <a:schemeClr val="dk1"/>
+          </a:fontRef>
+        </p:style>
+        <p:txBody>
+          <a:bodyPr rtlCol="0" anchor="ctr"/>
+          <a:lstStyle/>
+          <a:p>
+            <a:pPr algn="ctr"/>
+            <a:r>
+              <a:rPr lang="ko-KR" altLang="en-US" dirty="0" smtClean="0"/>
+              <a:t>댓글의 포함</a:t>
+            </a:r>
+            <a:endParaRPr lang="ko-KR" altLang="en-US" dirty="0"/>
+          </a:p>
+        </p:txBody>
+      </p:sp>
+      <p:cxnSp>
+        <p:nvCxnSpPr>
+          <p:cNvPr id="79" name="직선 연결선 78"/>
+          <p:cNvCxnSpPr>
+            <a:stCxn id="6" idx="2"/>
+            <a:endCxn id="75" idx="0"/>
+          </p:cNvCxnSpPr>
+          <p:nvPr/>
+        </p:nvCxnSpPr>
+        <p:spPr>
+          <a:xfrm flipH="1">
+            <a:off x="7556763" y="1946493"/>
+            <a:ext cx="1941565" cy="475135"/>
+          </a:xfrm>
+          <a:prstGeom prst="line">
+            <a:avLst/>
+          </a:prstGeom>
+          <a:ln>
+            <a:solidFill>
+              <a:schemeClr val="tx1"/>
+            </a:solidFill>
+          </a:ln>
+        </p:spPr>
+        <p:style>
+          <a:lnRef idx="1">
+            <a:schemeClr val="accent1"/>
+          </a:lnRef>
+          <a:fillRef idx="0">
+            <a:schemeClr val="accent1"/>
+          </a:fillRef>
+          <a:effectRef idx="0">
+            <a:schemeClr val="accent1"/>
+          </a:effectRef>
+          <a:fontRef idx="minor">
+            <a:schemeClr val="tx1"/>
+          </a:fontRef>
+        </p:style>
+      </p:cxnSp>
+      <p:cxnSp>
+        <p:nvCxnSpPr>
+          <p:cNvPr id="82" name="직선 연결선 81"/>
+          <p:cNvCxnSpPr>
+            <a:stCxn id="75" idx="2"/>
+            <a:endCxn id="10" idx="3"/>
+          </p:cNvCxnSpPr>
+          <p:nvPr/>
+        </p:nvCxnSpPr>
+        <p:spPr>
+          <a:xfrm flipH="1">
+            <a:off x="6635751" y="3512907"/>
+            <a:ext cx="921012" cy="539623"/>
+          </a:xfrm>
+          <a:prstGeom prst="line">
+            <a:avLst/>
+          </a:prstGeom>
+          <a:ln>
+            <a:solidFill>
+              <a:schemeClr val="tx1"/>
+            </a:solidFill>
+          </a:ln>
+        </p:spPr>
+        <p:style>
+          <a:lnRef idx="1">
+            <a:schemeClr val="accent1"/>
+          </a:lnRef>
+          <a:fillRef idx="0">
+            <a:schemeClr val="accent1"/>
+          </a:fillRef>
+          <a:effectRef idx="0">
+            <a:schemeClr val="accent1"/>
+          </a:effectRef>
+          <a:fontRef idx="minor">
+            <a:schemeClr val="tx1"/>
+          </a:fontRef>
+        </p:style>
+      </p:cxnSp>
+      <p:sp>
+        <p:nvSpPr>
+          <p:cNvPr id="85" name="TextBox 84"/>
+          <p:cNvSpPr txBox="1"/>
+          <p:nvPr/>
+        </p:nvSpPr>
+        <p:spPr>
+          <a:xfrm>
+            <a:off x="796303" y="4791706"/>
+            <a:ext cx="5896166" cy="369332"/>
+          </a:xfrm>
+          <a:prstGeom prst="rect">
+            <a:avLst/>
+          </a:prstGeom>
+          <a:noFill/>
+        </p:spPr>
+        <p:txBody>
+          <a:bodyPr wrap="none" rtlCol="0">
+            <a:spAutoFit/>
+          </a:bodyPr>
+          <a:lstStyle/>
+          <a:p>
+            <a:r>
+              <a:rPr lang="ko-KR" altLang="en-US" dirty="0" smtClean="0"/>
+              <a:t>댓글</a:t>
+            </a:r>
+            <a:r>
+              <a:rPr lang="en-US" altLang="ko-KR" dirty="0" smtClean="0"/>
+              <a:t>(</a:t>
+            </a:r>
+            <a:r>
+              <a:rPr lang="ko-KR" altLang="en-US" dirty="0" err="1" smtClean="0"/>
+              <a:t>댓글메시지</a:t>
+            </a:r>
+            <a:r>
+              <a:rPr lang="en-US" altLang="ko-KR" dirty="0" smtClean="0"/>
+              <a:t>, </a:t>
+            </a:r>
+            <a:r>
+              <a:rPr lang="ko-KR" altLang="en-US" dirty="0" smtClean="0"/>
+              <a:t>작성일</a:t>
+            </a:r>
+            <a:r>
+              <a:rPr lang="en-US" altLang="ko-KR" dirty="0" smtClean="0"/>
+              <a:t>, FK(</a:t>
+            </a:r>
+            <a:r>
+              <a:rPr lang="ko-KR" altLang="en-US" u="sng" dirty="0" err="1" smtClean="0"/>
+              <a:t>회원번호</a:t>
+            </a:r>
+            <a:r>
+              <a:rPr lang="en-US" altLang="ko-KR" dirty="0" smtClean="0"/>
+              <a:t>), FK(</a:t>
+            </a:r>
+            <a:r>
+              <a:rPr lang="ko-KR" altLang="en-US" u="sng" dirty="0" err="1" smtClean="0"/>
+              <a:t>게시물번호</a:t>
+            </a:r>
+            <a:r>
+              <a:rPr lang="en-US" altLang="ko-KR" dirty="0" smtClean="0"/>
+              <a:t>))</a:t>
+            </a:r>
+            <a:endParaRPr lang="ko-KR" altLang="en-US" dirty="0"/>
+          </a:p>
+        </p:txBody>
+      </p:sp>
+    </p:spTree>
+    <p:extLst>
+      <p:ext uri="{BB962C8B-B14F-4D97-AF65-F5344CB8AC3E}">
+        <p14:creationId xmlns:p14="http://schemas.microsoft.com/office/powerpoint/2010/main" val="770727784"/>
       </p:ext>
     </p:extLst>
   </p:cSld>

--- a/sql/회원게시판.pptx
+++ b/sql/회원게시판.pptx
@@ -4275,6 +4275,13 @@
   <p:clrMapOvr>
     <a:masterClrMapping/>
   </p:clrMapOvr>
+  <p:timing>
+    <p:tnLst>
+      <p:par>
+        <p:cTn id="1" dur="indefinite" restart="never" nodeType="tmRoot"/>
+      </p:par>
+    </p:tnLst>
+  </p:timing>
 </p:sld>
 </file>
 
@@ -5972,50 +5979,6 @@
       </p:cxnSp>
       <p:sp>
         <p:nvSpPr>
-          <p:cNvPr id="58" name="직사각형 57"/>
-          <p:cNvSpPr/>
-          <p:nvPr/>
-        </p:nvSpPr>
-        <p:spPr>
-          <a:xfrm>
-            <a:off x="7311211" y="-203200"/>
-            <a:ext cx="3909239" cy="6387646"/>
-          </a:xfrm>
-          <a:prstGeom prst="rect">
-            <a:avLst/>
-          </a:prstGeom>
-          <a:noFill/>
-          <a:ln>
-            <a:solidFill>
-              <a:srgbClr val="FF0000"/>
-            </a:solidFill>
-          </a:ln>
-        </p:spPr>
-        <p:style>
-          <a:lnRef idx="2">
-            <a:schemeClr val="dk1"/>
-          </a:lnRef>
-          <a:fillRef idx="1">
-            <a:schemeClr val="lt1"/>
-          </a:fillRef>
-          <a:effectRef idx="0">
-            <a:schemeClr val="dk1"/>
-          </a:effectRef>
-          <a:fontRef idx="minor">
-            <a:schemeClr val="dk1"/>
-          </a:fontRef>
-        </p:style>
-        <p:txBody>
-          <a:bodyPr rtlCol="0" anchor="ctr"/>
-          <a:lstStyle/>
-          <a:p>
-            <a:pPr algn="ctr"/>
-            <a:endParaRPr lang="ko-KR" altLang="en-US"/>
-          </a:p>
-        </p:txBody>
-      </p:sp>
-      <p:sp>
-        <p:nvSpPr>
           <p:cNvPr id="59" name="TextBox 58"/>
           <p:cNvSpPr txBox="1"/>
           <p:nvPr/>
@@ -6325,7 +6288,7 @@
         <p:spPr>
           <a:xfrm>
             <a:off x="796303" y="4791706"/>
-            <a:ext cx="5896166" cy="369332"/>
+            <a:ext cx="6490879" cy="369332"/>
           </a:xfrm>
           <a:prstGeom prst="rect">
             <a:avLst/>
@@ -6345,6 +6308,14 @@
             <a:r>
               <a:rPr lang="en-US" altLang="ko-KR" dirty="0" smtClean="0"/>
               <a:t>(</a:t>
+            </a:r>
+            <a:r>
+              <a:rPr lang="ko-KR" altLang="en-US" u="sng" dirty="0" smtClean="0"/>
+              <a:t>번호</a:t>
+            </a:r>
+            <a:r>
+              <a:rPr lang="en-US" altLang="ko-KR" dirty="0" smtClean="0"/>
+              <a:t>, </a:t>
             </a:r>
             <a:r>
               <a:rPr lang="ko-KR" altLang="en-US" dirty="0" err="1" smtClean="0"/>
@@ -6392,6 +6363,13 @@
   <p:clrMapOvr>
     <a:masterClrMapping/>
   </p:clrMapOvr>
+  <p:timing>
+    <p:tnLst>
+      <p:par>
+        <p:cTn id="1" dur="indefinite" restart="never" nodeType="tmRoot"/>
+      </p:par>
+    </p:tnLst>
+  </p:timing>
 </p:sld>
 </file>
 
